--- a/brWheel_my/wirings/encoder_ffb_clip_led_wiring_diagram.pptx
+++ b/brWheel_my/wirings/encoder_ffb_clip_led_wiring_diagram.pptx
@@ -241,7 +241,7 @@
           <a:p>
             <a:fld id="{A398FB1A-F8C3-427F-BE44-B87966AC4D7F}" type="datetimeFigureOut">
               <a:rPr lang="en-US" smtClean="0"/>
-              <a:t>23-Jun-22</a:t>
+              <a:t>14-Aug-22</a:t>
             </a:fld>
             <a:endParaRPr lang="en-US"/>
           </a:p>
@@ -409,7 +409,7 @@
           <a:p>
             <a:fld id="{A398FB1A-F8C3-427F-BE44-B87966AC4D7F}" type="datetimeFigureOut">
               <a:rPr lang="en-US" smtClean="0"/>
-              <a:t>23-Jun-22</a:t>
+              <a:t>14-Aug-22</a:t>
             </a:fld>
             <a:endParaRPr lang="en-US"/>
           </a:p>
@@ -587,7 +587,7 @@
           <a:p>
             <a:fld id="{A398FB1A-F8C3-427F-BE44-B87966AC4D7F}" type="datetimeFigureOut">
               <a:rPr lang="en-US" smtClean="0"/>
-              <a:t>23-Jun-22</a:t>
+              <a:t>14-Aug-22</a:t>
             </a:fld>
             <a:endParaRPr lang="en-US"/>
           </a:p>
@@ -755,7 +755,7 @@
           <a:p>
             <a:fld id="{A398FB1A-F8C3-427F-BE44-B87966AC4D7F}" type="datetimeFigureOut">
               <a:rPr lang="en-US" smtClean="0"/>
-              <a:t>23-Jun-22</a:t>
+              <a:t>14-Aug-22</a:t>
             </a:fld>
             <a:endParaRPr lang="en-US"/>
           </a:p>
@@ -1000,7 +1000,7 @@
           <a:p>
             <a:fld id="{A398FB1A-F8C3-427F-BE44-B87966AC4D7F}" type="datetimeFigureOut">
               <a:rPr lang="en-US" smtClean="0"/>
-              <a:t>23-Jun-22</a:t>
+              <a:t>14-Aug-22</a:t>
             </a:fld>
             <a:endParaRPr lang="en-US"/>
           </a:p>
@@ -1229,7 +1229,7 @@
           <a:p>
             <a:fld id="{A398FB1A-F8C3-427F-BE44-B87966AC4D7F}" type="datetimeFigureOut">
               <a:rPr lang="en-US" smtClean="0"/>
-              <a:t>23-Jun-22</a:t>
+              <a:t>14-Aug-22</a:t>
             </a:fld>
             <a:endParaRPr lang="en-US"/>
           </a:p>
@@ -1593,7 +1593,7 @@
           <a:p>
             <a:fld id="{A398FB1A-F8C3-427F-BE44-B87966AC4D7F}" type="datetimeFigureOut">
               <a:rPr lang="en-US" smtClean="0"/>
-              <a:t>23-Jun-22</a:t>
+              <a:t>14-Aug-22</a:t>
             </a:fld>
             <a:endParaRPr lang="en-US"/>
           </a:p>
@@ -1710,7 +1710,7 @@
           <a:p>
             <a:fld id="{A398FB1A-F8C3-427F-BE44-B87966AC4D7F}" type="datetimeFigureOut">
               <a:rPr lang="en-US" smtClean="0"/>
-              <a:t>23-Jun-22</a:t>
+              <a:t>14-Aug-22</a:t>
             </a:fld>
             <a:endParaRPr lang="en-US"/>
           </a:p>
@@ -1805,7 +1805,7 @@
           <a:p>
             <a:fld id="{A398FB1A-F8C3-427F-BE44-B87966AC4D7F}" type="datetimeFigureOut">
               <a:rPr lang="en-US" smtClean="0"/>
-              <a:t>23-Jun-22</a:t>
+              <a:t>14-Aug-22</a:t>
             </a:fld>
             <a:endParaRPr lang="en-US"/>
           </a:p>
@@ -2080,7 +2080,7 @@
           <a:p>
             <a:fld id="{A398FB1A-F8C3-427F-BE44-B87966AC4D7F}" type="datetimeFigureOut">
               <a:rPr lang="en-US" smtClean="0"/>
-              <a:t>23-Jun-22</a:t>
+              <a:t>14-Aug-22</a:t>
             </a:fld>
             <a:endParaRPr lang="en-US"/>
           </a:p>
@@ -2332,7 +2332,7 @@
           <a:p>
             <a:fld id="{A398FB1A-F8C3-427F-BE44-B87966AC4D7F}" type="datetimeFigureOut">
               <a:rPr lang="en-US" smtClean="0"/>
-              <a:t>23-Jun-22</a:t>
+              <a:t>14-Aug-22</a:t>
             </a:fld>
             <a:endParaRPr lang="en-US"/>
           </a:p>
@@ -2543,7 +2543,7 @@
           <a:p>
             <a:fld id="{A398FB1A-F8C3-427F-BE44-B87966AC4D7F}" type="datetimeFigureOut">
               <a:rPr lang="en-US" smtClean="0"/>
-              <a:t>23-Jun-22</a:t>
+              <a:t>14-Aug-22</a:t>
             </a:fld>
             <a:endParaRPr lang="en-US"/>
           </a:p>
@@ -3174,7 +3174,7 @@
         <p:spPr>
           <a:xfrm>
             <a:off x="8733494" y="1070370"/>
-            <a:ext cx="1832553" cy="1600438"/>
+            <a:ext cx="2809359" cy="1600438"/>
           </a:xfrm>
           <a:prstGeom prst="rect">
             <a:avLst/>
@@ -3219,8 +3219,13 @@
           <a:p>
             <a:r>
               <a:rPr lang="en-US" sz="1400" dirty="0" smtClean="0"/>
-              <a:t>2	Z+</a:t>
-            </a:r>
+              <a:t>2	Z</a:t>
+            </a:r>
+            <a:r>
+              <a:rPr lang="en-US" sz="1400" dirty="0" smtClean="0"/>
+              <a:t>+ (or re-center switch)</a:t>
+            </a:r>
+            <a:endParaRPr lang="en-US" sz="1400" dirty="0" smtClean="0"/>
           </a:p>
           <a:p>
             <a:endParaRPr lang="en-US" sz="1400" dirty="0" smtClean="0"/>
@@ -4058,43 +4063,6 @@
       </p:cxnSp>
       <p:cxnSp>
         <p:nvCxnSpPr>
-          <p:cNvPr id="106" name="Straight Connector 105"/>
-          <p:cNvCxnSpPr>
-            <a:endCxn id="82" idx="2"/>
-          </p:cNvCxnSpPr>
-          <p:nvPr/>
-        </p:nvCxnSpPr>
-        <p:spPr>
-          <a:xfrm flipH="1" flipV="1">
-            <a:off x="4840138" y="2424556"/>
-            <a:ext cx="15160" cy="2736789"/>
-          </a:xfrm>
-          <a:prstGeom prst="line">
-            <a:avLst/>
-          </a:prstGeom>
-          <a:ln w="38100">
-            <a:solidFill>
-              <a:schemeClr val="accent2"/>
-            </a:solidFill>
-          </a:ln>
-        </p:spPr>
-        <p:style>
-          <a:lnRef idx="1">
-            <a:schemeClr val="accent1"/>
-          </a:lnRef>
-          <a:fillRef idx="0">
-            <a:schemeClr val="accent1"/>
-          </a:fillRef>
-          <a:effectRef idx="0">
-            <a:schemeClr val="accent1"/>
-          </a:effectRef>
-          <a:fontRef idx="minor">
-            <a:schemeClr val="tx1"/>
-          </a:fontRef>
-        </p:style>
-      </p:cxnSp>
-      <p:cxnSp>
-        <p:nvCxnSpPr>
           <p:cNvPr id="107" name="Straight Connector 106"/>
           <p:cNvCxnSpPr/>
           <p:nvPr/>
@@ -4765,7 +4733,7 @@
         </p:nvSpPr>
         <p:spPr>
           <a:xfrm>
-            <a:off x="6078198" y="4046763"/>
+            <a:off x="5969141" y="4466213"/>
             <a:ext cx="2391937" cy="307777"/>
           </a:xfrm>
           <a:prstGeom prst="rect">
@@ -4795,7 +4763,7 @@
         </p:nvCxnSpPr>
         <p:spPr>
           <a:xfrm>
-            <a:off x="6230124" y="5813971"/>
+            <a:off x="6121067" y="6233421"/>
             <a:ext cx="2243038" cy="0"/>
           </a:xfrm>
           <a:prstGeom prst="straightConnector1">
@@ -4831,7 +4799,7 @@
         </p:nvCxnSpPr>
         <p:spPr>
           <a:xfrm flipV="1">
-            <a:off x="6320680" y="4430185"/>
+            <a:off x="6211623" y="4849635"/>
             <a:ext cx="0" cy="1455933"/>
           </a:xfrm>
           <a:prstGeom prst="straightConnector1">
@@ -4867,7 +4835,7 @@
         </p:nvSpPr>
         <p:spPr>
           <a:xfrm>
-            <a:off x="8019497" y="5799703"/>
+            <a:off x="7910440" y="6219153"/>
             <a:ext cx="723275" cy="307777"/>
           </a:xfrm>
           <a:prstGeom prst="rect">
@@ -4897,7 +4865,7 @@
         </p:nvSpPr>
         <p:spPr>
           <a:xfrm rot="16200000">
-            <a:off x="5101870" y="4746736"/>
+            <a:off x="4992813" y="5166186"/>
             <a:ext cx="1408975" cy="307777"/>
           </a:xfrm>
           <a:prstGeom prst="rect">
@@ -4927,7 +4895,7 @@
         </p:nvSpPr>
         <p:spPr>
           <a:xfrm>
-            <a:off x="6041566" y="5768902"/>
+            <a:off x="5932509" y="6188352"/>
             <a:ext cx="276038" cy="307777"/>
           </a:xfrm>
           <a:prstGeom prst="rect">
@@ -4957,7 +4925,7 @@
         </p:nvSpPr>
         <p:spPr>
           <a:xfrm>
-            <a:off x="7296911" y="5799703"/>
+            <a:off x="7187854" y="6219153"/>
             <a:ext cx="367408" cy="307777"/>
           </a:xfrm>
           <a:prstGeom prst="rect">
@@ -4987,7 +4955,7 @@
         </p:nvSpPr>
         <p:spPr>
           <a:xfrm>
-            <a:off x="7664319" y="5799703"/>
+            <a:off x="7555262" y="6219153"/>
             <a:ext cx="458780" cy="307777"/>
           </a:xfrm>
           <a:prstGeom prst="rect">
@@ -5017,7 +4985,7 @@
         </p:nvSpPr>
         <p:spPr>
           <a:xfrm>
-            <a:off x="5968079" y="5020454"/>
+            <a:off x="5859022" y="5439904"/>
             <a:ext cx="367408" cy="307777"/>
           </a:xfrm>
           <a:prstGeom prst="rect">
@@ -5047,7 +5015,7 @@
         </p:nvSpPr>
         <p:spPr>
           <a:xfrm>
-            <a:off x="5876707" y="4480964"/>
+            <a:off x="5767650" y="4900414"/>
             <a:ext cx="458780" cy="307777"/>
           </a:xfrm>
           <a:prstGeom prst="rect">
@@ -5079,7 +5047,7 @@
         </p:nvCxnSpPr>
         <p:spPr>
           <a:xfrm flipV="1">
-            <a:off x="6336133" y="5799703"/>
+            <a:off x="6227076" y="6219153"/>
             <a:ext cx="1144482" cy="12143"/>
           </a:xfrm>
           <a:prstGeom prst="line">
@@ -5114,7 +5082,7 @@
         </p:nvCxnSpPr>
         <p:spPr>
           <a:xfrm flipV="1">
-            <a:off x="7865449" y="4625485"/>
+            <a:off x="7756392" y="5044935"/>
             <a:ext cx="0" cy="548857"/>
           </a:xfrm>
           <a:prstGeom prst="line">
@@ -5149,7 +5117,7 @@
         </p:nvCxnSpPr>
         <p:spPr>
           <a:xfrm flipV="1">
-            <a:off x="7473754" y="5168905"/>
+            <a:off x="7364697" y="5588355"/>
             <a:ext cx="393556" cy="629735"/>
           </a:xfrm>
           <a:prstGeom prst="line">
@@ -5186,7 +5154,7 @@
         </p:nvCxnSpPr>
         <p:spPr>
           <a:xfrm flipV="1">
-            <a:off x="6335487" y="5170092"/>
+            <a:off x="6226430" y="5589542"/>
             <a:ext cx="1527342" cy="4251"/>
           </a:xfrm>
           <a:prstGeom prst="line">
@@ -5222,7 +5190,7 @@
         </p:nvCxnSpPr>
         <p:spPr>
           <a:xfrm flipV="1">
-            <a:off x="6326217" y="4628649"/>
+            <a:off x="6217160" y="5048099"/>
             <a:ext cx="1567492" cy="4203"/>
           </a:xfrm>
           <a:prstGeom prst="line">
@@ -5258,7 +5226,7 @@
         </p:nvCxnSpPr>
         <p:spPr>
           <a:xfrm flipV="1">
-            <a:off x="7889668" y="4625485"/>
+            <a:off x="7780611" y="5044935"/>
             <a:ext cx="0" cy="1180289"/>
           </a:xfrm>
           <a:prstGeom prst="line">
@@ -5919,7 +5887,7 @@
         </p:nvCxnSpPr>
         <p:spPr>
           <a:xfrm flipV="1">
-            <a:off x="7854512" y="4634900"/>
+            <a:off x="7745455" y="5054350"/>
             <a:ext cx="44733" cy="1081"/>
           </a:xfrm>
           <a:prstGeom prst="line">
@@ -6014,8 +5982,8 @@
         </p:nvSpPr>
         <p:spPr>
           <a:xfrm>
-            <a:off x="729463" y="5933272"/>
-            <a:ext cx="2810641" cy="584775"/>
+            <a:off x="573080" y="6314207"/>
+            <a:ext cx="2810641" cy="307777"/>
           </a:xfrm>
           <a:prstGeom prst="rect">
             <a:avLst/>
@@ -6034,12 +6002,13 @@
             </a:r>
             <a:r>
               <a:rPr lang="en-US" sz="1400" i="1" dirty="0" smtClean="0"/>
-              <a:t>required features/components</a:t>
+              <a:t>required </a:t>
+            </a:r>
+            <a:r>
+              <a:rPr lang="en-US" sz="1400" i="1" dirty="0" smtClean="0"/>
+              <a:t>features/components</a:t>
             </a:r>
             <a:endParaRPr lang="en-US" sz="1400" i="1" dirty="0"/>
-          </a:p>
-          <a:p>
-            <a:endParaRPr lang="en-US" dirty="0"/>
           </a:p>
         </p:txBody>
       </p:sp>
@@ -6082,6 +6051,257 @@
         <p:spPr>
           <a:xfrm>
             <a:off x="4159019" y="3824091"/>
+            <a:ext cx="274434" cy="307777"/>
+          </a:xfrm>
+          <a:prstGeom prst="rect">
+            <a:avLst/>
+          </a:prstGeom>
+          <a:noFill/>
+        </p:spPr>
+        <p:txBody>
+          <a:bodyPr wrap="none" rtlCol="0">
+            <a:spAutoFit/>
+          </a:bodyPr>
+          <a:lstStyle/>
+          <a:p>
+            <a:r>
+              <a:rPr lang="en-US" sz="1400" dirty="0" smtClean="0"/>
+              <a:t>*</a:t>
+            </a:r>
+            <a:endParaRPr lang="en-US" sz="1400" dirty="0"/>
+          </a:p>
+        </p:txBody>
+      </p:sp>
+      <p:sp>
+        <p:nvSpPr>
+          <p:cNvPr id="87" name="Oval 86"/>
+          <p:cNvSpPr/>
+          <p:nvPr/>
+        </p:nvSpPr>
+        <p:spPr>
+          <a:xfrm>
+            <a:off x="4807698" y="5108616"/>
+            <a:ext cx="83074" cy="81392"/>
+          </a:xfrm>
+          <a:prstGeom prst="ellipse">
+            <a:avLst/>
+          </a:prstGeom>
+          <a:solidFill>
+            <a:schemeClr val="accent2"/>
+          </a:solidFill>
+          <a:ln>
+            <a:noFill/>
+          </a:ln>
+        </p:spPr>
+        <p:style>
+          <a:lnRef idx="2">
+            <a:schemeClr val="accent1">
+              <a:shade val="50000"/>
+            </a:schemeClr>
+          </a:lnRef>
+          <a:fillRef idx="1">
+            <a:schemeClr val="accent1"/>
+          </a:fillRef>
+          <a:effectRef idx="0">
+            <a:schemeClr val="accent1"/>
+          </a:effectRef>
+          <a:fontRef idx="minor">
+            <a:schemeClr val="lt1"/>
+          </a:fontRef>
+        </p:style>
+        <p:txBody>
+          <a:bodyPr rtlCol="0" anchor="ctr"/>
+          <a:lstStyle/>
+          <a:p>
+            <a:pPr algn="ctr"/>
+            <a:endParaRPr lang="en-US"/>
+          </a:p>
+        </p:txBody>
+      </p:sp>
+      <p:sp>
+        <p:nvSpPr>
+          <p:cNvPr id="94" name="TextBox 93"/>
+          <p:cNvSpPr txBox="1"/>
+          <p:nvPr/>
+        </p:nvSpPr>
+        <p:spPr>
+          <a:xfrm>
+            <a:off x="798133" y="5811912"/>
+            <a:ext cx="3207003" cy="307777"/>
+          </a:xfrm>
+          <a:prstGeom prst="rect">
+            <a:avLst/>
+          </a:prstGeom>
+          <a:noFill/>
+        </p:spPr>
+        <p:txBody>
+          <a:bodyPr wrap="square" rtlCol="0">
+            <a:spAutoFit/>
+          </a:bodyPr>
+          <a:lstStyle/>
+          <a:p>
+            <a:r>
+              <a:rPr lang="en-US" sz="1400" dirty="0" smtClean="0"/>
+              <a:t>wheel r</a:t>
+            </a:r>
+            <a:r>
+              <a:rPr lang="en-US" sz="1400" dirty="0" smtClean="0"/>
+              <a:t>e-center</a:t>
+            </a:r>
+            <a:r>
+              <a:rPr lang="en-US" sz="1400" dirty="0" smtClean="0"/>
+              <a:t> switch (</a:t>
+            </a:r>
+            <a:r>
+              <a:rPr lang="en-US" sz="1400" dirty="0" err="1" smtClean="0"/>
+              <a:t>fw</a:t>
+            </a:r>
+            <a:r>
+              <a:rPr lang="en-US" sz="1400" dirty="0" smtClean="0"/>
+              <a:t> option “c”)</a:t>
+            </a:r>
+            <a:endParaRPr lang="en-US" sz="1400" dirty="0"/>
+          </a:p>
+        </p:txBody>
+      </p:sp>
+      <p:pic>
+        <p:nvPicPr>
+          <p:cNvPr id="95" name="Picture 94"/>
+          <p:cNvPicPr>
+            <a:picLocks noChangeAspect="1"/>
+          </p:cNvPicPr>
+          <p:nvPr/>
+        </p:nvPicPr>
+        <p:blipFill rotWithShape="1">
+          <a:blip r:embed="rId3" cstate="print">
+            <a:extLst>
+              <a:ext uri="{28A0092B-C50C-407E-A947-70E740481C1C}">
+                <a14:useLocalDpi xmlns:a14="http://schemas.microsoft.com/office/drawing/2010/main" val="0"/>
+              </a:ext>
+            </a:extLst>
+          </a:blip>
+          <a:srcRect l="34588" t="20064" r="33239" b="13246"/>
+          <a:stretch/>
+        </p:blipFill>
+        <p:spPr>
+          <a:xfrm rot="16200000">
+            <a:off x="4020924" y="5349743"/>
+            <a:ext cx="581247" cy="1204835"/>
+          </a:xfrm>
+          <a:prstGeom prst="rect">
+            <a:avLst/>
+          </a:prstGeom>
+        </p:spPr>
+      </p:pic>
+      <p:cxnSp>
+        <p:nvCxnSpPr>
+          <p:cNvPr id="96" name="Straight Connector 95"/>
+          <p:cNvCxnSpPr/>
+          <p:nvPr/>
+        </p:nvCxnSpPr>
+        <p:spPr>
+          <a:xfrm flipV="1">
+            <a:off x="4848403" y="6016819"/>
+            <a:ext cx="847" cy="352227"/>
+          </a:xfrm>
+          <a:prstGeom prst="line">
+            <a:avLst/>
+          </a:prstGeom>
+          <a:ln w="38100">
+            <a:solidFill>
+              <a:schemeClr val="tx1"/>
+            </a:solidFill>
+          </a:ln>
+        </p:spPr>
+        <p:style>
+          <a:lnRef idx="1">
+            <a:schemeClr val="accent1"/>
+          </a:lnRef>
+          <a:fillRef idx="0">
+            <a:schemeClr val="accent1"/>
+          </a:fillRef>
+          <a:effectRef idx="0">
+            <a:schemeClr val="accent1"/>
+          </a:effectRef>
+          <a:fontRef idx="minor">
+            <a:schemeClr val="tx1"/>
+          </a:fontRef>
+        </p:style>
+      </p:cxnSp>
+      <p:cxnSp>
+        <p:nvCxnSpPr>
+          <p:cNvPr id="97" name="Straight Connector 96"/>
+          <p:cNvCxnSpPr/>
+          <p:nvPr/>
+        </p:nvCxnSpPr>
+        <p:spPr>
+          <a:xfrm flipH="1" flipV="1">
+            <a:off x="4840139" y="2424557"/>
+            <a:ext cx="10883" cy="3461561"/>
+          </a:xfrm>
+          <a:prstGeom prst="line">
+            <a:avLst/>
+          </a:prstGeom>
+          <a:ln w="38100">
+            <a:solidFill>
+              <a:schemeClr val="accent2"/>
+            </a:solidFill>
+          </a:ln>
+        </p:spPr>
+        <p:style>
+          <a:lnRef idx="1">
+            <a:schemeClr val="accent1"/>
+          </a:lnRef>
+          <a:fillRef idx="0">
+            <a:schemeClr val="accent1"/>
+          </a:fillRef>
+          <a:effectRef idx="0">
+            <a:schemeClr val="accent1"/>
+          </a:effectRef>
+          <a:fontRef idx="minor">
+            <a:schemeClr val="tx1"/>
+          </a:fontRef>
+        </p:style>
+      </p:cxnSp>
+      <p:sp>
+        <p:nvSpPr>
+          <p:cNvPr id="98" name="TextBox 97"/>
+          <p:cNvSpPr txBox="1"/>
+          <p:nvPr/>
+        </p:nvSpPr>
+        <p:spPr>
+          <a:xfrm>
+            <a:off x="4594303" y="6348553"/>
+            <a:ext cx="542172" cy="307777"/>
+          </a:xfrm>
+          <a:prstGeom prst="rect">
+            <a:avLst/>
+          </a:prstGeom>
+          <a:noFill/>
+        </p:spPr>
+        <p:txBody>
+          <a:bodyPr wrap="square" rtlCol="0">
+            <a:spAutoFit/>
+          </a:bodyPr>
+          <a:lstStyle/>
+          <a:p>
+            <a:r>
+              <a:rPr lang="en-US" sz="1400" dirty="0" smtClean="0"/>
+              <a:t>GND</a:t>
+            </a:r>
+            <a:endParaRPr lang="en-US" sz="1400" dirty="0"/>
+          </a:p>
+        </p:txBody>
+      </p:sp>
+      <p:sp>
+        <p:nvSpPr>
+          <p:cNvPr id="99" name="TextBox 98"/>
+          <p:cNvSpPr txBox="1"/>
+          <p:nvPr/>
+        </p:nvSpPr>
+        <p:spPr>
+          <a:xfrm>
+            <a:off x="4205829" y="5550926"/>
             <a:ext cx="274434" cy="307777"/>
           </a:xfrm>
           <a:prstGeom prst="rect">
